--- a/studies/Laborstudie ProVisioNET/Scripts/6_script_provisionet_AL.pptx
+++ b/studies/Laborstudie ProVisioNET/Scripts/6_script_provisionet_AL.pptx
@@ -4177,8 +4177,8 @@
           <a:lstStyle/>
           <a:p>
             <a:r>
-              <a:rPr lang="de-DE" dirty="0"/>
-              <a:t>Person A trommelt mit den Fingern auf Tisch</a:t>
+              <a:rPr lang="de-DE" sz="2000" dirty="0"/>
+              <a:t>Anna trommelt mit den Fingern auf Tisch.</a:t>
             </a:r>
           </a:p>
         </p:txBody>
@@ -4394,9 +4394,10 @@
           <a:bodyPr rtlCol="0" anchor="ctr"/>
           <a:lstStyle/>
           <a:p>
-            <a:r>
-              <a:rPr lang="de-DE" sz="6000" dirty="0"/>
-              <a:t>Person A trommelt mit den Fingern auf Tisch</a:t>
+            <a:pPr algn="ctr"/>
+            <a:r>
+              <a:rPr lang="de-DE" sz="5400" dirty="0"/>
+              <a:t>Anna trommelt mit den Fingern auf Tisch.</a:t>
             </a:r>
           </a:p>
         </p:txBody>
@@ -4459,16 +4460,16 @@
               </a:spcAft>
             </a:pPr>
             <a:r>
-              <a:rPr lang="de-DE" dirty="0">
+              <a:rPr lang="de-DE" sz="2000" dirty="0">
                 <a:latin typeface="Calibri" panose="020F0502020204030204" pitchFamily="34" charset="0"/>
                 <a:ea typeface="Calibri" panose="020F0502020204030204" pitchFamily="34" charset="0"/>
                 <a:cs typeface="Times New Roman" panose="02020603050405020304" pitchFamily="18" charset="0"/>
               </a:rPr>
-              <a:t>Person B k</a:t>
-            </a:r>
-            <a:r>
-              <a:rPr lang="de-DE" dirty="0"/>
-              <a:t>ritzelt auf einem Blatt herum</a:t>
+              <a:t>Bianca k</a:t>
+            </a:r>
+            <a:r>
+              <a:rPr lang="de-DE" sz="2000" dirty="0"/>
+              <a:t>ritzelt auf einem Blatt herum.</a:t>
             </a:r>
           </a:p>
         </p:txBody>
@@ -4853,16 +4854,16 @@
               </a:spcAft>
             </a:pPr>
             <a:r>
-              <a:rPr lang="de-DE" dirty="0">
+              <a:rPr lang="de-DE" sz="2000" dirty="0">
                 <a:latin typeface="Calibri" panose="020F0502020204030204" pitchFamily="34" charset="0"/>
                 <a:ea typeface="Calibri" panose="020F0502020204030204" pitchFamily="34" charset="0"/>
                 <a:cs typeface="Times New Roman" panose="02020603050405020304" pitchFamily="18" charset="0"/>
               </a:rPr>
-              <a:t>Person B k</a:t>
-            </a:r>
-            <a:r>
-              <a:rPr lang="de-DE" dirty="0"/>
-              <a:t>ritzelt auf einem Blatt herum</a:t>
+              <a:t>Bianca k</a:t>
+            </a:r>
+            <a:r>
+              <a:rPr lang="de-DE" sz="2000" dirty="0"/>
+              <a:t>ritzelt auf einem Blatt herum.</a:t>
             </a:r>
           </a:p>
         </p:txBody>
@@ -5092,7 +5093,7 @@
                 <a:ea typeface="Calibri" panose="020F0502020204030204" pitchFamily="34" charset="0"/>
                 <a:cs typeface="Times New Roman" panose="02020603050405020304" pitchFamily="18" charset="0"/>
               </a:rPr>
-              <a:t>Person B k</a:t>
+              <a:t>Bianca k</a:t>
             </a:r>
             <a:r>
               <a:rPr lang="de-DE" sz="4000" dirty="0"/>
@@ -5164,7 +5165,7 @@
                 <a:ea typeface="Calibri" panose="020F0502020204030204" pitchFamily="34" charset="0"/>
                 <a:cs typeface="Times New Roman" panose="02020603050405020304" pitchFamily="18" charset="0"/>
               </a:rPr>
-              <a:t>Person C l</a:t>
+              <a:t>Carl(a) l</a:t>
             </a:r>
             <a:r>
               <a:rPr lang="de-DE" dirty="0"/>
@@ -5553,15 +5554,15 @@
               </a:spcAft>
             </a:pPr>
             <a:r>
-              <a:rPr lang="de-DE" dirty="0">
+              <a:rPr lang="de-DE" sz="2000" dirty="0">
                 <a:latin typeface="Calibri" panose="020F0502020204030204" pitchFamily="34" charset="0"/>
                 <a:ea typeface="Calibri" panose="020F0502020204030204" pitchFamily="34" charset="0"/>
                 <a:cs typeface="Times New Roman" panose="02020603050405020304" pitchFamily="18" charset="0"/>
               </a:rPr>
-              <a:t>Person C l</a:t>
-            </a:r>
-            <a:r>
-              <a:rPr lang="de-DE" dirty="0"/>
+              <a:t>Carl(a) l</a:t>
+            </a:r>
+            <a:r>
+              <a:rPr lang="de-DE" sz="2000" dirty="0"/>
               <a:t>egt Kopf auf Tisch und schläft</a:t>
             </a:r>
           </a:p>
@@ -5792,7 +5793,7 @@
                 <a:ea typeface="Calibri" panose="020F0502020204030204" pitchFamily="34" charset="0"/>
                 <a:cs typeface="Times New Roman" panose="02020603050405020304" pitchFamily="18" charset="0"/>
               </a:rPr>
-              <a:t>Person C l</a:t>
+              <a:t>Carl(a) l</a:t>
             </a:r>
             <a:r>
               <a:rPr lang="de-DE" sz="4000" dirty="0"/>
@@ -5859,22 +5860,22 @@
               </a:spcAft>
             </a:pPr>
             <a:r>
-              <a:rPr lang="de-DE" dirty="0">
+              <a:rPr lang="de-DE" sz="2000" dirty="0">
                 <a:latin typeface="Calibri" panose="020F0502020204030204" pitchFamily="34" charset="0"/>
                 <a:ea typeface="Calibri" panose="020F0502020204030204" pitchFamily="34" charset="0"/>
                 <a:cs typeface="Times New Roman" panose="02020603050405020304" pitchFamily="18" charset="0"/>
               </a:rPr>
-              <a:t>Person A f</a:t>
-            </a:r>
-            <a:r>
-              <a:rPr lang="de-DE" dirty="0"/>
+              <a:t>Anna f</a:t>
+            </a:r>
+            <a:r>
+              <a:rPr lang="de-DE" sz="2000" dirty="0"/>
               <a:t>lüstert leise mit </a:t>
             </a:r>
             <a:r>
-              <a:rPr lang="de-DE" dirty="0" err="1"/>
+              <a:rPr lang="de-DE" sz="2000" dirty="0" err="1"/>
               <a:t>Banknachbar:in</a:t>
             </a:r>
-            <a:endParaRPr lang="de-DE" dirty="0"/>
+            <a:endParaRPr lang="de-DE" sz="2000" dirty="0"/>
           </a:p>
         </p:txBody>
       </p:sp>
@@ -6258,22 +6259,22 @@
               </a:spcAft>
             </a:pPr>
             <a:r>
-              <a:rPr lang="de-DE" dirty="0">
+              <a:rPr lang="de-DE" sz="2000" dirty="0">
                 <a:latin typeface="Calibri" panose="020F0502020204030204" pitchFamily="34" charset="0"/>
                 <a:ea typeface="Calibri" panose="020F0502020204030204" pitchFamily="34" charset="0"/>
                 <a:cs typeface="Times New Roman" panose="02020603050405020304" pitchFamily="18" charset="0"/>
               </a:rPr>
-              <a:t>Person A f</a:t>
-            </a:r>
-            <a:r>
-              <a:rPr lang="de-DE" dirty="0"/>
+              <a:t>Anna f</a:t>
+            </a:r>
+            <a:r>
+              <a:rPr lang="de-DE" sz="2000" dirty="0"/>
               <a:t>lüstert leise mit </a:t>
             </a:r>
             <a:r>
-              <a:rPr lang="de-DE" dirty="0" err="1"/>
+              <a:rPr lang="de-DE" sz="2000" dirty="0" err="1"/>
               <a:t>Banknachbar:in</a:t>
             </a:r>
-            <a:endParaRPr lang="de-DE" dirty="0"/>
+            <a:endParaRPr lang="de-DE" sz="2000" dirty="0"/>
           </a:p>
         </p:txBody>
       </p:sp>
@@ -6488,7 +6489,7 @@
           <a:bodyPr rtlCol="0" anchor="ctr"/>
           <a:lstStyle/>
           <a:p>
-            <a:pPr>
+            <a:pPr algn="ctr">
               <a:lnSpc>
                 <a:spcPct val="107000"/>
               </a:lnSpc>
@@ -6497,22 +6498,25 @@
               </a:spcAft>
             </a:pPr>
             <a:r>
-              <a:rPr lang="de-DE" sz="4000" dirty="0">
+              <a:rPr lang="de-DE" sz="5400" dirty="0">
                 <a:latin typeface="Calibri" panose="020F0502020204030204" pitchFamily="34" charset="0"/>
                 <a:ea typeface="Calibri" panose="020F0502020204030204" pitchFamily="34" charset="0"/>
                 <a:cs typeface="Times New Roman" panose="02020603050405020304" pitchFamily="18" charset="0"/>
               </a:rPr>
-              <a:t>Person A f</a:t>
-            </a:r>
-            <a:r>
-              <a:rPr lang="de-DE" sz="4000" dirty="0"/>
+              <a:t>Anna f</a:t>
+            </a:r>
+            <a:r>
+              <a:rPr lang="de-DE" sz="5400" dirty="0"/>
               <a:t>lüstert leise mit </a:t>
             </a:r>
             <a:r>
-              <a:rPr lang="de-DE" sz="4000" dirty="0" err="1"/>
+              <a:rPr lang="de-DE" sz="5400" dirty="0" err="1"/>
               <a:t>Banknachbar:in</a:t>
             </a:r>
-            <a:endParaRPr lang="de-DE" sz="4000" dirty="0"/>
+            <a:r>
+              <a:rPr lang="de-DE" sz="5400" dirty="0"/>
+              <a:t>.</a:t>
+            </a:r>
           </a:p>
         </p:txBody>
       </p:sp>
@@ -6574,16 +6578,16 @@
               </a:spcAft>
             </a:pPr>
             <a:r>
-              <a:rPr lang="de-DE" dirty="0">
+              <a:rPr lang="de-DE" sz="2000" dirty="0">
                 <a:latin typeface="Calibri" panose="020F0502020204030204" pitchFamily="34" charset="0"/>
                 <a:ea typeface="Calibri" panose="020F0502020204030204" pitchFamily="34" charset="0"/>
                 <a:cs typeface="Times New Roman" panose="02020603050405020304" pitchFamily="18" charset="0"/>
               </a:rPr>
-              <a:t>Person B m</a:t>
-            </a:r>
-            <a:r>
-              <a:rPr lang="de-DE" dirty="0"/>
-              <a:t>eldet sich und schnipst laut</a:t>
+              <a:t>Bianca m</a:t>
+            </a:r>
+            <a:r>
+              <a:rPr lang="de-DE" sz="2000" dirty="0"/>
+              <a:t>eldet sich und schnipst laut.</a:t>
             </a:r>
           </a:p>
         </p:txBody>
@@ -6968,16 +6972,16 @@
               </a:spcAft>
             </a:pPr>
             <a:r>
-              <a:rPr lang="de-DE" dirty="0">
+              <a:rPr lang="de-DE" sz="2000" dirty="0">
                 <a:latin typeface="Calibri" panose="020F0502020204030204" pitchFamily="34" charset="0"/>
                 <a:ea typeface="Calibri" panose="020F0502020204030204" pitchFamily="34" charset="0"/>
                 <a:cs typeface="Times New Roman" panose="02020603050405020304" pitchFamily="18" charset="0"/>
               </a:rPr>
-              <a:t>Person B m</a:t>
-            </a:r>
-            <a:r>
-              <a:rPr lang="de-DE" dirty="0"/>
-              <a:t>eldet sich und schnipst laut</a:t>
+              <a:t>Bianca m</a:t>
+            </a:r>
+            <a:r>
+              <a:rPr lang="de-DE" sz="2000" dirty="0"/>
+              <a:t>eldet sich und schnipst laut.</a:t>
             </a:r>
           </a:p>
         </p:txBody>
@@ -7193,7 +7197,7 @@
           <a:bodyPr rtlCol="0" anchor="ctr"/>
           <a:lstStyle/>
           <a:p>
-            <a:pPr>
+            <a:pPr algn="ctr">
               <a:lnSpc>
                 <a:spcPct val="107000"/>
               </a:lnSpc>
@@ -7202,16 +7206,16 @@
               </a:spcAft>
             </a:pPr>
             <a:r>
-              <a:rPr lang="de-DE" sz="4000" dirty="0">
+              <a:rPr lang="de-DE" sz="5400" dirty="0">
                 <a:latin typeface="Calibri" panose="020F0502020204030204" pitchFamily="34" charset="0"/>
                 <a:ea typeface="Calibri" panose="020F0502020204030204" pitchFamily="34" charset="0"/>
                 <a:cs typeface="Times New Roman" panose="02020603050405020304" pitchFamily="18" charset="0"/>
               </a:rPr>
-              <a:t>Person B m</a:t>
-            </a:r>
-            <a:r>
-              <a:rPr lang="de-DE" sz="4000" dirty="0"/>
-              <a:t>eldet sich und schnipst laut</a:t>
+              <a:t>Bianca m</a:t>
+            </a:r>
+            <a:r>
+              <a:rPr lang="de-DE" sz="5400" dirty="0"/>
+              <a:t>eldet sich und schnipst laut.</a:t>
             </a:r>
           </a:p>
         </p:txBody>
@@ -7274,24 +7278,24 @@
               </a:spcAft>
             </a:pPr>
             <a:r>
-              <a:rPr lang="de-DE" dirty="0">
+              <a:rPr lang="de-DE" sz="2000" dirty="0">
                 <a:latin typeface="Calibri" panose="020F0502020204030204" pitchFamily="34" charset="0"/>
                 <a:ea typeface="Calibri" panose="020F0502020204030204" pitchFamily="34" charset="0"/>
                 <a:cs typeface="Times New Roman" panose="02020603050405020304" pitchFamily="18" charset="0"/>
               </a:rPr>
-              <a:t>Person A r</a:t>
-            </a:r>
-            <a:r>
-              <a:rPr lang="de-DE" dirty="0"/>
+              <a:t>Anna r</a:t>
+            </a:r>
+            <a:r>
+              <a:rPr lang="de-DE" sz="2000" dirty="0"/>
               <a:t>uft laut in die Klasse „Das ist </a:t>
             </a:r>
             <a:r>
-              <a:rPr lang="de-DE" dirty="0" err="1"/>
+              <a:rPr lang="de-DE" sz="2000" dirty="0" err="1"/>
               <a:t>laangweilig</a:t>
             </a:r>
             <a:r>
-              <a:rPr lang="de-DE" dirty="0"/>
-              <a:t>!“</a:t>
+              <a:rPr lang="de-DE" sz="2000" dirty="0"/>
+              <a:t>!“.</a:t>
             </a:r>
           </a:p>
         </p:txBody>
@@ -7744,24 +7748,24 @@
               </a:spcAft>
             </a:pPr>
             <a:r>
-              <a:rPr lang="de-DE" dirty="0">
+              <a:rPr lang="de-DE" sz="2000" dirty="0">
                 <a:latin typeface="Calibri" panose="020F0502020204030204" pitchFamily="34" charset="0"/>
                 <a:ea typeface="Calibri" panose="020F0502020204030204" pitchFamily="34" charset="0"/>
                 <a:cs typeface="Times New Roman" panose="02020603050405020304" pitchFamily="18" charset="0"/>
               </a:rPr>
-              <a:t>Person A r</a:t>
-            </a:r>
-            <a:r>
-              <a:rPr lang="de-DE" dirty="0"/>
+              <a:t>Anna r</a:t>
+            </a:r>
+            <a:r>
+              <a:rPr lang="de-DE" sz="2000" dirty="0"/>
               <a:t>uft laut in die Klasse „Das ist </a:t>
             </a:r>
             <a:r>
-              <a:rPr lang="de-DE" dirty="0" err="1"/>
+              <a:rPr lang="de-DE" sz="2000" dirty="0" err="1"/>
               <a:t>laangweilig</a:t>
             </a:r>
             <a:r>
-              <a:rPr lang="de-DE" dirty="0"/>
-              <a:t>!“</a:t>
+              <a:rPr lang="de-DE" sz="2000" dirty="0"/>
+              <a:t>!“.</a:t>
             </a:r>
           </a:p>
         </p:txBody>
@@ -7977,7 +7981,7 @@
           <a:bodyPr rtlCol="0" anchor="ctr"/>
           <a:lstStyle/>
           <a:p>
-            <a:pPr>
+            <a:pPr algn="ctr">
               <a:lnSpc>
                 <a:spcPct val="107000"/>
               </a:lnSpc>
@@ -7986,24 +7990,24 @@
               </a:spcAft>
             </a:pPr>
             <a:r>
-              <a:rPr lang="de-DE" sz="4000" dirty="0">
+              <a:rPr lang="de-DE" sz="5400" dirty="0">
                 <a:latin typeface="Calibri" panose="020F0502020204030204" pitchFamily="34" charset="0"/>
                 <a:ea typeface="Calibri" panose="020F0502020204030204" pitchFamily="34" charset="0"/>
                 <a:cs typeface="Times New Roman" panose="02020603050405020304" pitchFamily="18" charset="0"/>
               </a:rPr>
-              <a:t>Person A r</a:t>
-            </a:r>
-            <a:r>
-              <a:rPr lang="de-DE" sz="4000" dirty="0"/>
+              <a:t>Anna r</a:t>
+            </a:r>
+            <a:r>
+              <a:rPr lang="de-DE" sz="5400" dirty="0"/>
               <a:t>uft laut in die Klasse „Das ist </a:t>
             </a:r>
             <a:r>
-              <a:rPr lang="de-DE" sz="4000" dirty="0" err="1"/>
+              <a:rPr lang="de-DE" sz="5400" dirty="0" err="1"/>
               <a:t>laangweilig</a:t>
             </a:r>
             <a:r>
-              <a:rPr lang="de-DE" sz="4000" dirty="0"/>
-              <a:t>!“</a:t>
+              <a:rPr lang="de-DE" sz="5400" dirty="0"/>
+              <a:t>!“.</a:t>
             </a:r>
           </a:p>
         </p:txBody>
@@ -8066,15 +8070,15 @@
               </a:spcAft>
             </a:pPr>
             <a:r>
-              <a:rPr lang="de-DE" dirty="0">
+              <a:rPr lang="de-DE" sz="2000" dirty="0">
                 <a:latin typeface="Calibri" panose="020F0502020204030204" pitchFamily="34" charset="0"/>
                 <a:ea typeface="Calibri" panose="020F0502020204030204" pitchFamily="34" charset="0"/>
                 <a:cs typeface="Times New Roman" panose="02020603050405020304" pitchFamily="18" charset="0"/>
               </a:rPr>
-              <a:t>Person C s</a:t>
-            </a:r>
-            <a:r>
-              <a:rPr lang="de-DE" sz="1800" dirty="0">
+              <a:t>Carl(a) s</a:t>
+            </a:r>
+            <a:r>
+              <a:rPr lang="de-DE" sz="2000" dirty="0">
                 <a:effectLst/>
                 <a:latin typeface="Calibri" panose="020F0502020204030204" pitchFamily="34" charset="0"/>
                 <a:ea typeface="Calibri" panose="020F0502020204030204" pitchFamily="34" charset="0"/>
@@ -8083,7 +8087,7 @@
               <a:t>chwatzt laut mit </a:t>
             </a:r>
             <a:r>
-              <a:rPr lang="de-DE" sz="1800" dirty="0" err="1">
+              <a:rPr lang="de-DE" sz="2000" dirty="0" err="1">
                 <a:effectLst/>
                 <a:latin typeface="Calibri" panose="020F0502020204030204" pitchFamily="34" charset="0"/>
                 <a:ea typeface="Calibri" panose="020F0502020204030204" pitchFamily="34" charset="0"/>
@@ -8092,13 +8096,13 @@
               <a:t>Mitschüler:in</a:t>
             </a:r>
             <a:r>
-              <a:rPr lang="de-DE" sz="1800" dirty="0">
+              <a:rPr lang="de-DE" sz="2000" dirty="0">
                 <a:effectLst/>
                 <a:latin typeface="Calibri" panose="020F0502020204030204" pitchFamily="34" charset="0"/>
                 <a:ea typeface="Calibri" panose="020F0502020204030204" pitchFamily="34" charset="0"/>
                 <a:cs typeface="Times New Roman" panose="02020603050405020304" pitchFamily="18" charset="0"/>
               </a:rPr>
-              <a:t> am Ende des Tisches</a:t>
+              <a:t> am Ende des Tisches.</a:t>
             </a:r>
           </a:p>
         </p:txBody>
@@ -8483,15 +8487,15 @@
               </a:spcAft>
             </a:pPr>
             <a:r>
-              <a:rPr lang="de-DE" dirty="0">
+              <a:rPr lang="de-DE" sz="2000" dirty="0">
                 <a:latin typeface="Calibri" panose="020F0502020204030204" pitchFamily="34" charset="0"/>
                 <a:ea typeface="Calibri" panose="020F0502020204030204" pitchFamily="34" charset="0"/>
                 <a:cs typeface="Times New Roman" panose="02020603050405020304" pitchFamily="18" charset="0"/>
               </a:rPr>
-              <a:t>Person C s</a:t>
-            </a:r>
-            <a:r>
-              <a:rPr lang="de-DE" sz="1800" dirty="0">
+              <a:t>Carl(a) s</a:t>
+            </a:r>
+            <a:r>
+              <a:rPr lang="de-DE" sz="2000" dirty="0">
                 <a:effectLst/>
                 <a:latin typeface="Calibri" panose="020F0502020204030204" pitchFamily="34" charset="0"/>
                 <a:ea typeface="Calibri" panose="020F0502020204030204" pitchFamily="34" charset="0"/>
@@ -8500,7 +8504,7 @@
               <a:t>chwatzt laut mit </a:t>
             </a:r>
             <a:r>
-              <a:rPr lang="de-DE" sz="1800" dirty="0" err="1">
+              <a:rPr lang="de-DE" sz="2000" dirty="0" err="1">
                 <a:effectLst/>
                 <a:latin typeface="Calibri" panose="020F0502020204030204" pitchFamily="34" charset="0"/>
                 <a:ea typeface="Calibri" panose="020F0502020204030204" pitchFamily="34" charset="0"/>
@@ -8509,13 +8513,13 @@
               <a:t>Mitschüler:in</a:t>
             </a:r>
             <a:r>
-              <a:rPr lang="de-DE" sz="1800" dirty="0">
+              <a:rPr lang="de-DE" sz="2000" dirty="0">
                 <a:effectLst/>
                 <a:latin typeface="Calibri" panose="020F0502020204030204" pitchFamily="34" charset="0"/>
                 <a:ea typeface="Calibri" panose="020F0502020204030204" pitchFamily="34" charset="0"/>
                 <a:cs typeface="Times New Roman" panose="02020603050405020304" pitchFamily="18" charset="0"/>
               </a:rPr>
-              <a:t> am Ende des Tisches</a:t>
+              <a:t> am Ende des Tisches.</a:t>
             </a:r>
           </a:p>
         </p:txBody>
@@ -8731,7 +8735,7 @@
           <a:bodyPr rtlCol="0" anchor="ctr"/>
           <a:lstStyle/>
           <a:p>
-            <a:pPr>
+            <a:pPr algn="ctr">
               <a:lnSpc>
                 <a:spcPct val="107000"/>
               </a:lnSpc>
@@ -8740,15 +8744,15 @@
               </a:spcAft>
             </a:pPr>
             <a:r>
-              <a:rPr lang="de-DE" sz="4000" dirty="0">
+              <a:rPr lang="de-DE" sz="5400" dirty="0">
                 <a:latin typeface="Calibri" panose="020F0502020204030204" pitchFamily="34" charset="0"/>
                 <a:ea typeface="Calibri" panose="020F0502020204030204" pitchFamily="34" charset="0"/>
                 <a:cs typeface="Times New Roman" panose="02020603050405020304" pitchFamily="18" charset="0"/>
               </a:rPr>
-              <a:t>Person C schwatzt laut mit </a:t>
-            </a:r>
-            <a:r>
-              <a:rPr lang="de-DE" sz="4000" dirty="0" err="1">
+              <a:t>Carl(a) schwatzt laut mit </a:t>
+            </a:r>
+            <a:r>
+              <a:rPr lang="de-DE" sz="5400" dirty="0" err="1">
                 <a:latin typeface="Calibri" panose="020F0502020204030204" pitchFamily="34" charset="0"/>
                 <a:ea typeface="Calibri" panose="020F0502020204030204" pitchFamily="34" charset="0"/>
                 <a:cs typeface="Times New Roman" panose="02020603050405020304" pitchFamily="18" charset="0"/>
@@ -8756,12 +8760,12 @@
               <a:t>Mitschüler:in</a:t>
             </a:r>
             <a:r>
-              <a:rPr lang="de-DE" sz="4000">
+              <a:rPr lang="de-DE" sz="5400" dirty="0">
                 <a:latin typeface="Calibri" panose="020F0502020204030204" pitchFamily="34" charset="0"/>
                 <a:ea typeface="Calibri" panose="020F0502020204030204" pitchFamily="34" charset="0"/>
                 <a:cs typeface="Times New Roman" panose="02020603050405020304" pitchFamily="18" charset="0"/>
               </a:rPr>
-              <a:t> am Ende des Tisches</a:t>
+              <a:t> am Ende des Tisches.</a:t>
             </a:r>
           </a:p>
         </p:txBody>
@@ -9876,14 +9880,9 @@
           <a:bodyPr rtlCol="0" anchor="ctr"/>
           <a:lstStyle/>
           <a:p>
-            <a:pPr algn="ctr"/>
             <a:r>
               <a:rPr lang="de-DE" sz="2000" dirty="0"/>
-              <a:t>Person C k</a:t>
-            </a:r>
-            <a:r>
-              <a:rPr lang="de-DE" dirty="0"/>
-              <a:t>lickt mit Kugelschreiber</a:t>
+              <a:t>Carl(a) klickt mit Kugelschreiber.</a:t>
             </a:r>
           </a:p>
         </p:txBody>
@@ -9986,12 +9985,12 @@
   <p:clrMapOvr>
     <a:masterClrMapping/>
   </p:clrMapOvr>
-  <mc:AlternateContent xmlns:mc="http://schemas.openxmlformats.org/markup-compatibility/2006" xmlns:p14="http://schemas.microsoft.com/office/powerpoint/2010/main">
-    <mc:Choice Requires="p14">
-      <p:transition spd="slow" p14:dur="2000" advClick="0" advTm="270000"/>
+  <mc:AlternateContent xmlns:mc="http://schemas.openxmlformats.org/markup-compatibility/2006">
+    <mc:Choice xmlns:p14="http://schemas.microsoft.com/office/powerpoint/2010/main" Requires="p14">
+      <p:transition spd="slow" p14:dur="2000" advClick="0" advTm="130000"/>
     </mc:Choice>
-    <mc:Fallback xmlns="">
-      <p:transition spd="slow" advClick="0" advTm="270000"/>
+    <mc:Fallback>
+      <p:transition spd="slow" advClick="0" advTm="130000"/>
     </mc:Fallback>
   </mc:AlternateContent>
 </p:sld>
@@ -10195,14 +10194,9 @@
           <a:bodyPr rtlCol="0" anchor="ctr"/>
           <a:lstStyle/>
           <a:p>
-            <a:pPr algn="ctr"/>
             <a:r>
               <a:rPr lang="de-DE" sz="2000" dirty="0"/>
-              <a:t>Person C k</a:t>
-            </a:r>
-            <a:r>
-              <a:rPr lang="de-DE" dirty="0"/>
-              <a:t>lickt mit Kugelschreiber</a:t>
+              <a:t>Carl(a) klickt mit Kugelschreiber.</a:t>
             </a:r>
           </a:p>
         </p:txBody>
@@ -10423,12 +10417,8 @@
           <a:p>
             <a:pPr algn="ctr"/>
             <a:r>
-              <a:rPr lang="de-DE" sz="6000" dirty="0"/>
-              <a:t>Person C k</a:t>
-            </a:r>
-            <a:r>
               <a:rPr lang="de-DE" sz="5400" dirty="0"/>
-              <a:t>lickt mit Kugelschreiber</a:t>
+              <a:t>Carl(a) klickt mit Kugelschreiber.</a:t>
             </a:r>
           </a:p>
         </p:txBody>
@@ -10484,11 +10474,7 @@
           <a:p>
             <a:r>
               <a:rPr lang="de-DE" sz="2000" dirty="0"/>
-              <a:t>Person B l</a:t>
-            </a:r>
-            <a:r>
-              <a:rPr lang="de-DE" dirty="0"/>
-              <a:t>iest Nachrichten auf dem Handy</a:t>
+              <a:t>Bianca liest Nachrichten auf dem Handy.</a:t>
             </a:r>
           </a:p>
         </p:txBody>
@@ -10865,12 +10851,8 @@
           <a:lstStyle/>
           <a:p>
             <a:r>
-              <a:rPr lang="de-DE" sz="2400" dirty="0"/>
-              <a:t>Person B l</a:t>
-            </a:r>
-            <a:r>
               <a:rPr lang="de-DE" sz="2000" dirty="0"/>
-              <a:t>iest Nachrichten auf dem Handy</a:t>
+              <a:t>Bianca liest Nachrichten auf dem Handy.</a:t>
             </a:r>
           </a:p>
         </p:txBody>
@@ -11089,13 +11071,10 @@
           <a:bodyPr rtlCol="0" anchor="ctr"/>
           <a:lstStyle/>
           <a:p>
-            <a:r>
-              <a:rPr lang="de-DE" sz="7200" dirty="0"/>
-              <a:t>Person B l</a:t>
-            </a:r>
-            <a:r>
-              <a:rPr lang="de-DE" sz="6600" dirty="0"/>
-              <a:t>iest Nachrichten auf dem Handy</a:t>
+            <a:pPr algn="ctr"/>
+            <a:r>
+              <a:rPr lang="de-DE" sz="5400" dirty="0"/>
+              <a:t>Bianca liest Nachrichten auf dem Handy.</a:t>
             </a:r>
           </a:p>
         </p:txBody>
@@ -11150,8 +11129,8 @@
           <a:lstStyle/>
           <a:p>
             <a:r>
-              <a:rPr lang="de-DE" dirty="0"/>
-              <a:t>Person A trommelt mit den Fingern auf Tisch</a:t>
+              <a:rPr lang="de-DE" sz="2000" dirty="0"/>
+              <a:t>Anna trommelt mit den Fingern auf Tisch.</a:t>
             </a:r>
           </a:p>
         </p:txBody>

--- a/studies/Laborstudie ProVisioNET/Scripts/6_script_provisionet_AL.pptx
+++ b/studies/Laborstudie ProVisioNET/Scripts/6_script_provisionet_AL.pptx
@@ -29,9 +29,11 @@
     <p:sldId id="331" r:id="rId23"/>
     <p:sldId id="323" r:id="rId24"/>
     <p:sldId id="332" r:id="rId25"/>
-    <p:sldId id="305" r:id="rId26"/>
-    <p:sldId id="301" r:id="rId27"/>
-    <p:sldId id="303" r:id="rId28"/>
+    <p:sldId id="335" r:id="rId26"/>
+    <p:sldId id="337" r:id="rId27"/>
+    <p:sldId id="305" r:id="rId28"/>
+    <p:sldId id="301" r:id="rId29"/>
+    <p:sldId id="303" r:id="rId30"/>
   </p:sldIdLst>
   <p:sldSz cx="12192000" cy="6858000"/>
   <p:notesSz cx="6858000" cy="9144000"/>
@@ -365,7 +367,7 @@
             <a:fld id="{87DE6118-2437-4B30-8E3C-4D2BE6020583}" type="datetimeFigureOut">
               <a:rPr lang="en-US" smtClean="0"/>
               <a:pPr/>
-              <a:t>6/11/2021</a:t>
+              <a:t>6/17/2021</a:t>
             </a:fld>
             <a:endParaRPr lang="en-US" dirty="0"/>
           </a:p>
@@ -582,7 +584,7 @@
           <a:p>
             <a:fld id="{87DE6118-2437-4B30-8E3C-4D2BE6020583}" type="datetimeFigureOut">
               <a:rPr lang="en-US" smtClean="0"/>
-              <a:t>6/11/2021</a:t>
+              <a:t>6/17/2021</a:t>
             </a:fld>
             <a:endParaRPr lang="en-US" dirty="0"/>
           </a:p>
@@ -846,7 +848,7 @@
           <a:p>
             <a:fld id="{87DE6118-2437-4B30-8E3C-4D2BE6020583}" type="datetimeFigureOut">
               <a:rPr lang="en-US" smtClean="0"/>
-              <a:t>6/11/2021</a:t>
+              <a:t>6/17/2021</a:t>
             </a:fld>
             <a:endParaRPr lang="en-US" dirty="0"/>
           </a:p>
@@ -1024,7 +1026,7 @@
           <a:p>
             <a:fld id="{87DE6118-2437-4B30-8E3C-4D2BE6020583}" type="datetimeFigureOut">
               <a:rPr lang="en-US" smtClean="0"/>
-              <a:t>6/11/2021</a:t>
+              <a:t>6/17/2021</a:t>
             </a:fld>
             <a:endParaRPr lang="en-US" dirty="0"/>
           </a:p>
@@ -1376,7 +1378,7 @@
             <a:fld id="{87DE6118-2437-4B30-8E3C-4D2BE6020583}" type="datetimeFigureOut">
               <a:rPr lang="en-US" smtClean="0"/>
               <a:pPr/>
-              <a:t>6/11/2021</a:t>
+              <a:t>6/17/2021</a:t>
             </a:fld>
             <a:endParaRPr lang="en-US" dirty="0"/>
           </a:p>
@@ -1660,7 +1662,7 @@
           <a:p>
             <a:fld id="{87DE6118-2437-4B30-8E3C-4D2BE6020583}" type="datetimeFigureOut">
               <a:rPr lang="en-US" smtClean="0"/>
-              <a:t>6/11/2021</a:t>
+              <a:t>6/17/2021</a:t>
             </a:fld>
             <a:endParaRPr lang="en-US" dirty="0"/>
           </a:p>
@@ -2047,7 +2049,7 @@
           <a:p>
             <a:fld id="{87DE6118-2437-4B30-8E3C-4D2BE6020583}" type="datetimeFigureOut">
               <a:rPr lang="en-US" smtClean="0"/>
-              <a:t>6/11/2021</a:t>
+              <a:t>6/17/2021</a:t>
             </a:fld>
             <a:endParaRPr lang="en-US" dirty="0"/>
           </a:p>
@@ -2173,7 +2175,7 @@
           <a:p>
             <a:fld id="{87DE6118-2437-4B30-8E3C-4D2BE6020583}" type="datetimeFigureOut">
               <a:rPr lang="en-US" smtClean="0"/>
-              <a:t>6/11/2021</a:t>
+              <a:t>6/17/2021</a:t>
             </a:fld>
             <a:endParaRPr lang="en-US" dirty="0"/>
           </a:p>
@@ -2352,7 +2354,7 @@
           <a:p>
             <a:fld id="{87DE6118-2437-4B30-8E3C-4D2BE6020583}" type="datetimeFigureOut">
               <a:rPr lang="en-US" smtClean="0"/>
-              <a:t>6/11/2021</a:t>
+              <a:t>6/17/2021</a:t>
             </a:fld>
             <a:endParaRPr lang="en-US" dirty="0"/>
           </a:p>
@@ -2715,7 +2717,7 @@
             <a:fld id="{87DE6118-2437-4B30-8E3C-4D2BE6020583}" type="datetimeFigureOut">
               <a:rPr lang="en-US" smtClean="0"/>
               <a:pPr/>
-              <a:t>6/11/2021</a:t>
+              <a:t>6/17/2021</a:t>
             </a:fld>
             <a:endParaRPr lang="en-US" dirty="0"/>
           </a:p>
@@ -3102,7 +3104,7 @@
             <a:fld id="{87DE6118-2437-4B30-8E3C-4D2BE6020583}" type="datetimeFigureOut">
               <a:rPr lang="en-US" smtClean="0"/>
               <a:pPr/>
-              <a:t>6/11/2021</a:t>
+              <a:t>6/17/2021</a:t>
             </a:fld>
             <a:endParaRPr lang="en-US" dirty="0"/>
           </a:p>
@@ -3399,7 +3401,7 @@
             <a:fld id="{87DE6118-2437-4B30-8E3C-4D2BE6020583}" type="datetimeFigureOut">
               <a:rPr lang="en-US" smtClean="0"/>
               <a:pPr/>
-              <a:t>6/11/2021</a:t>
+              <a:t>6/17/2021</a:t>
             </a:fld>
             <a:endParaRPr lang="en-US" dirty="0"/>
           </a:p>
@@ -4177,7 +4179,7 @@
           <a:lstStyle/>
           <a:p>
             <a:r>
-              <a:rPr lang="de-DE" sz="2000" dirty="0"/>
+              <a:rPr lang="de-DE" sz="2800" dirty="0"/>
               <a:t>Anna trommelt mit den Fingern auf Tisch.</a:t>
             </a:r>
           </a:p>
@@ -4460,7 +4462,7 @@
               </a:spcAft>
             </a:pPr>
             <a:r>
-              <a:rPr lang="de-DE" sz="2000" dirty="0">
+              <a:rPr lang="de-DE" sz="2800" dirty="0">
                 <a:latin typeface="Calibri" panose="020F0502020204030204" pitchFamily="34" charset="0"/>
                 <a:ea typeface="Calibri" panose="020F0502020204030204" pitchFamily="34" charset="0"/>
                 <a:cs typeface="Times New Roman" panose="02020603050405020304" pitchFamily="18" charset="0"/>
@@ -4468,7 +4470,7 @@
               <a:t>Bianca k</a:t>
             </a:r>
             <a:r>
-              <a:rPr lang="de-DE" sz="2000" dirty="0"/>
+              <a:rPr lang="de-DE" sz="2800" dirty="0"/>
               <a:t>ritzelt auf einem Blatt herum.</a:t>
             </a:r>
           </a:p>
@@ -4854,7 +4856,7 @@
               </a:spcAft>
             </a:pPr>
             <a:r>
-              <a:rPr lang="de-DE" sz="2000" dirty="0">
+              <a:rPr lang="de-DE" sz="2800" dirty="0">
                 <a:latin typeface="Calibri" panose="020F0502020204030204" pitchFamily="34" charset="0"/>
                 <a:ea typeface="Calibri" panose="020F0502020204030204" pitchFamily="34" charset="0"/>
                 <a:cs typeface="Times New Roman" panose="02020603050405020304" pitchFamily="18" charset="0"/>
@@ -4862,7 +4864,7 @@
               <a:t>Bianca k</a:t>
             </a:r>
             <a:r>
-              <a:rPr lang="de-DE" sz="2000" dirty="0"/>
+              <a:rPr lang="de-DE" sz="2800" dirty="0"/>
               <a:t>ritzelt auf einem Blatt herum.</a:t>
             </a:r>
           </a:p>
@@ -5160,7 +5162,7 @@
               </a:spcAft>
             </a:pPr>
             <a:r>
-              <a:rPr lang="de-DE" dirty="0">
+              <a:rPr lang="de-DE" sz="2400" dirty="0">
                 <a:latin typeface="Calibri" panose="020F0502020204030204" pitchFamily="34" charset="0"/>
                 <a:ea typeface="Calibri" panose="020F0502020204030204" pitchFamily="34" charset="0"/>
                 <a:cs typeface="Times New Roman" panose="02020603050405020304" pitchFamily="18" charset="0"/>
@@ -5168,7 +5170,7 @@
               <a:t>Carl(a) l</a:t>
             </a:r>
             <a:r>
-              <a:rPr lang="de-DE" dirty="0"/>
+              <a:rPr lang="de-DE" sz="2400" dirty="0"/>
               <a:t>egt Kopf auf Tisch und schläft</a:t>
             </a:r>
           </a:p>
@@ -5554,7 +5556,7 @@
               </a:spcAft>
             </a:pPr>
             <a:r>
-              <a:rPr lang="de-DE" sz="2000" dirty="0">
+              <a:rPr lang="de-DE" sz="2800" dirty="0">
                 <a:latin typeface="Calibri" panose="020F0502020204030204" pitchFamily="34" charset="0"/>
                 <a:ea typeface="Calibri" panose="020F0502020204030204" pitchFamily="34" charset="0"/>
                 <a:cs typeface="Times New Roman" panose="02020603050405020304" pitchFamily="18" charset="0"/>
@@ -5562,7 +5564,7 @@
               <a:t>Carl(a) l</a:t>
             </a:r>
             <a:r>
-              <a:rPr lang="de-DE" sz="2000" dirty="0"/>
+              <a:rPr lang="de-DE" sz="2800" dirty="0"/>
               <a:t>egt Kopf auf Tisch und schläft</a:t>
             </a:r>
           </a:p>
@@ -5860,7 +5862,7 @@
               </a:spcAft>
             </a:pPr>
             <a:r>
-              <a:rPr lang="de-DE" sz="2000" dirty="0">
+              <a:rPr lang="de-DE" sz="2800" dirty="0">
                 <a:latin typeface="Calibri" panose="020F0502020204030204" pitchFamily="34" charset="0"/>
                 <a:ea typeface="Calibri" panose="020F0502020204030204" pitchFamily="34" charset="0"/>
                 <a:cs typeface="Times New Roman" panose="02020603050405020304" pitchFamily="18" charset="0"/>
@@ -5868,14 +5870,14 @@
               <a:t>Anna f</a:t>
             </a:r>
             <a:r>
-              <a:rPr lang="de-DE" sz="2000" dirty="0"/>
+              <a:rPr lang="de-DE" sz="2800" dirty="0"/>
               <a:t>lüstert leise mit </a:t>
             </a:r>
             <a:r>
-              <a:rPr lang="de-DE" sz="2000" dirty="0" err="1"/>
+              <a:rPr lang="de-DE" sz="2800" dirty="0" err="1"/>
               <a:t>Banknachbar:in</a:t>
             </a:r>
-            <a:endParaRPr lang="de-DE" sz="2000" dirty="0"/>
+            <a:endParaRPr lang="de-DE" sz="2800" dirty="0"/>
           </a:p>
         </p:txBody>
       </p:sp>
@@ -6259,7 +6261,7 @@
               </a:spcAft>
             </a:pPr>
             <a:r>
-              <a:rPr lang="de-DE" sz="2000" dirty="0">
+              <a:rPr lang="de-DE" sz="2800" dirty="0">
                 <a:latin typeface="Calibri" panose="020F0502020204030204" pitchFamily="34" charset="0"/>
                 <a:ea typeface="Calibri" panose="020F0502020204030204" pitchFamily="34" charset="0"/>
                 <a:cs typeface="Times New Roman" panose="02020603050405020304" pitchFamily="18" charset="0"/>
@@ -6267,14 +6269,14 @@
               <a:t>Anna f</a:t>
             </a:r>
             <a:r>
-              <a:rPr lang="de-DE" sz="2000" dirty="0"/>
+              <a:rPr lang="de-DE" sz="2800" dirty="0"/>
               <a:t>lüstert leise mit </a:t>
             </a:r>
             <a:r>
-              <a:rPr lang="de-DE" sz="2000" dirty="0" err="1"/>
+              <a:rPr lang="de-DE" sz="2800" dirty="0" err="1"/>
               <a:t>Banknachbar:in</a:t>
             </a:r>
-            <a:endParaRPr lang="de-DE" sz="2000" dirty="0"/>
+            <a:endParaRPr lang="de-DE" sz="2800" dirty="0"/>
           </a:p>
         </p:txBody>
       </p:sp>
@@ -6578,7 +6580,7 @@
               </a:spcAft>
             </a:pPr>
             <a:r>
-              <a:rPr lang="de-DE" sz="2000" dirty="0">
+              <a:rPr lang="de-DE" sz="2800" dirty="0">
                 <a:latin typeface="Calibri" panose="020F0502020204030204" pitchFamily="34" charset="0"/>
                 <a:ea typeface="Calibri" panose="020F0502020204030204" pitchFamily="34" charset="0"/>
                 <a:cs typeface="Times New Roman" panose="02020603050405020304" pitchFamily="18" charset="0"/>
@@ -6586,7 +6588,7 @@
               <a:t>Bianca m</a:t>
             </a:r>
             <a:r>
-              <a:rPr lang="de-DE" sz="2000" dirty="0"/>
+              <a:rPr lang="de-DE" sz="2800" dirty="0"/>
               <a:t>eldet sich und schnipst laut.</a:t>
             </a:r>
           </a:p>
@@ -6972,7 +6974,7 @@
               </a:spcAft>
             </a:pPr>
             <a:r>
-              <a:rPr lang="de-DE" sz="2000" dirty="0">
+              <a:rPr lang="de-DE" sz="2800" dirty="0">
                 <a:latin typeface="Calibri" panose="020F0502020204030204" pitchFamily="34" charset="0"/>
                 <a:ea typeface="Calibri" panose="020F0502020204030204" pitchFamily="34" charset="0"/>
                 <a:cs typeface="Times New Roman" panose="02020603050405020304" pitchFamily="18" charset="0"/>
@@ -6980,7 +6982,7 @@
               <a:t>Bianca m</a:t>
             </a:r>
             <a:r>
-              <a:rPr lang="de-DE" sz="2000" dirty="0"/>
+              <a:rPr lang="de-DE" sz="2800" dirty="0"/>
               <a:t>eldet sich und schnipst laut.</a:t>
             </a:r>
           </a:p>
@@ -7278,7 +7280,7 @@
               </a:spcAft>
             </a:pPr>
             <a:r>
-              <a:rPr lang="de-DE" sz="2000" dirty="0">
+              <a:rPr lang="de-DE" sz="2800" dirty="0">
                 <a:latin typeface="Calibri" panose="020F0502020204030204" pitchFamily="34" charset="0"/>
                 <a:ea typeface="Calibri" panose="020F0502020204030204" pitchFamily="34" charset="0"/>
                 <a:cs typeface="Times New Roman" panose="02020603050405020304" pitchFamily="18" charset="0"/>
@@ -7286,15 +7288,15 @@
               <a:t>Anna r</a:t>
             </a:r>
             <a:r>
-              <a:rPr lang="de-DE" sz="2000" dirty="0"/>
+              <a:rPr lang="de-DE" sz="2800" dirty="0"/>
               <a:t>uft laut in die Klasse „Das ist </a:t>
             </a:r>
             <a:r>
-              <a:rPr lang="de-DE" sz="2000" dirty="0" err="1"/>
+              <a:rPr lang="de-DE" sz="2800" dirty="0" err="1"/>
               <a:t>laangweilig</a:t>
             </a:r>
             <a:r>
-              <a:rPr lang="de-DE" sz="2000" dirty="0"/>
+              <a:rPr lang="de-DE" sz="2800" dirty="0"/>
               <a:t>!“.</a:t>
             </a:r>
           </a:p>
@@ -7748,7 +7750,7 @@
               </a:spcAft>
             </a:pPr>
             <a:r>
-              <a:rPr lang="de-DE" sz="2000" dirty="0">
+              <a:rPr lang="de-DE" sz="2800" dirty="0">
                 <a:latin typeface="Calibri" panose="020F0502020204030204" pitchFamily="34" charset="0"/>
                 <a:ea typeface="Calibri" panose="020F0502020204030204" pitchFamily="34" charset="0"/>
                 <a:cs typeface="Times New Roman" panose="02020603050405020304" pitchFamily="18" charset="0"/>
@@ -7756,15 +7758,15 @@
               <a:t>Anna r</a:t>
             </a:r>
             <a:r>
-              <a:rPr lang="de-DE" sz="2000" dirty="0"/>
+              <a:rPr lang="de-DE" sz="2800" dirty="0"/>
               <a:t>uft laut in die Klasse „Das ist </a:t>
             </a:r>
             <a:r>
-              <a:rPr lang="de-DE" sz="2000" dirty="0" err="1"/>
+              <a:rPr lang="de-DE" sz="2800" dirty="0" err="1"/>
               <a:t>laangweilig</a:t>
             </a:r>
             <a:r>
-              <a:rPr lang="de-DE" sz="2000" dirty="0"/>
+              <a:rPr lang="de-DE" sz="2800" dirty="0"/>
               <a:t>!“.</a:t>
             </a:r>
           </a:p>
@@ -8070,7 +8072,7 @@
               </a:spcAft>
             </a:pPr>
             <a:r>
-              <a:rPr lang="de-DE" sz="2000" dirty="0">
+              <a:rPr lang="de-DE" sz="2800" dirty="0">
                 <a:latin typeface="Calibri" panose="020F0502020204030204" pitchFamily="34" charset="0"/>
                 <a:ea typeface="Calibri" panose="020F0502020204030204" pitchFamily="34" charset="0"/>
                 <a:cs typeface="Times New Roman" panose="02020603050405020304" pitchFamily="18" charset="0"/>
@@ -8078,7 +8080,7 @@
               <a:t>Carl(a) s</a:t>
             </a:r>
             <a:r>
-              <a:rPr lang="de-DE" sz="2000" dirty="0">
+              <a:rPr lang="de-DE" sz="2800" dirty="0">
                 <a:effectLst/>
                 <a:latin typeface="Calibri" panose="020F0502020204030204" pitchFamily="34" charset="0"/>
                 <a:ea typeface="Calibri" panose="020F0502020204030204" pitchFamily="34" charset="0"/>
@@ -8087,7 +8089,7 @@
               <a:t>chwatzt laut mit </a:t>
             </a:r>
             <a:r>
-              <a:rPr lang="de-DE" sz="2000" dirty="0" err="1">
+              <a:rPr lang="de-DE" sz="2800" dirty="0" err="1">
                 <a:effectLst/>
                 <a:latin typeface="Calibri" panose="020F0502020204030204" pitchFamily="34" charset="0"/>
                 <a:ea typeface="Calibri" panose="020F0502020204030204" pitchFamily="34" charset="0"/>
@@ -8096,7 +8098,7 @@
               <a:t>Mitschüler:in</a:t>
             </a:r>
             <a:r>
-              <a:rPr lang="de-DE" sz="2000" dirty="0">
+              <a:rPr lang="de-DE" sz="2800" dirty="0">
                 <a:effectLst/>
                 <a:latin typeface="Calibri" panose="020F0502020204030204" pitchFamily="34" charset="0"/>
                 <a:ea typeface="Calibri" panose="020F0502020204030204" pitchFamily="34" charset="0"/>
@@ -8487,7 +8489,7 @@
               </a:spcAft>
             </a:pPr>
             <a:r>
-              <a:rPr lang="de-DE" sz="2000" dirty="0">
+              <a:rPr lang="de-DE" sz="2800" dirty="0">
                 <a:latin typeface="Calibri" panose="020F0502020204030204" pitchFamily="34" charset="0"/>
                 <a:ea typeface="Calibri" panose="020F0502020204030204" pitchFamily="34" charset="0"/>
                 <a:cs typeface="Times New Roman" panose="02020603050405020304" pitchFamily="18" charset="0"/>
@@ -8495,7 +8497,7 @@
               <a:t>Carl(a) s</a:t>
             </a:r>
             <a:r>
-              <a:rPr lang="de-DE" sz="2000" dirty="0">
+              <a:rPr lang="de-DE" sz="2800" dirty="0">
                 <a:effectLst/>
                 <a:latin typeface="Calibri" panose="020F0502020204030204" pitchFamily="34" charset="0"/>
                 <a:ea typeface="Calibri" panose="020F0502020204030204" pitchFamily="34" charset="0"/>
@@ -8504,7 +8506,7 @@
               <a:t>chwatzt laut mit </a:t>
             </a:r>
             <a:r>
-              <a:rPr lang="de-DE" sz="2000" dirty="0" err="1">
+              <a:rPr lang="de-DE" sz="2800" dirty="0" err="1">
                 <a:effectLst/>
                 <a:latin typeface="Calibri" panose="020F0502020204030204" pitchFamily="34" charset="0"/>
                 <a:ea typeface="Calibri" panose="020F0502020204030204" pitchFamily="34" charset="0"/>
@@ -8513,7 +8515,7 @@
               <a:t>Mitschüler:in</a:t>
             </a:r>
             <a:r>
-              <a:rPr lang="de-DE" sz="2000" dirty="0">
+              <a:rPr lang="de-DE" sz="2800" dirty="0">
                 <a:effectLst/>
                 <a:latin typeface="Calibri" panose="020F0502020204030204" pitchFamily="34" charset="0"/>
                 <a:ea typeface="Calibri" panose="020F0502020204030204" pitchFamily="34" charset="0"/>
@@ -8770,71 +8772,6 @@
           </a:p>
         </p:txBody>
       </p:sp>
-      <p:sp>
-        <p:nvSpPr>
-          <p:cNvPr id="4" name="Rechteck: abgerundete Ecken 3">
-            <a:extLst>
-              <a:ext uri="{FF2B5EF4-FFF2-40B4-BE49-F238E27FC236}">
-                <a16:creationId xmlns:a16="http://schemas.microsoft.com/office/drawing/2014/main" id="{FA9AD113-8EBD-4706-A40F-4A7A8D62D063}"/>
-              </a:ext>
-            </a:extLst>
-          </p:cNvPr>
-          <p:cNvSpPr/>
-          <p:nvPr/>
-        </p:nvSpPr>
-        <p:spPr>
-          <a:xfrm>
-            <a:off x="3349589" y="5147111"/>
-            <a:ext cx="6429676" cy="866273"/>
-          </a:xfrm>
-          <a:prstGeom prst="roundRect">
-            <a:avLst/>
-          </a:prstGeom>
-          <a:solidFill>
-            <a:schemeClr val="bg1"/>
-          </a:solidFill>
-          <a:ln>
-            <a:solidFill>
-              <a:schemeClr val="tx1"/>
-            </a:solidFill>
-          </a:ln>
-        </p:spPr>
-        <p:style>
-          <a:lnRef idx="2">
-            <a:schemeClr val="accent1">
-              <a:shade val="50000"/>
-            </a:schemeClr>
-          </a:lnRef>
-          <a:fillRef idx="1">
-            <a:schemeClr val="accent1"/>
-          </a:fillRef>
-          <a:effectRef idx="0">
-            <a:schemeClr val="accent1"/>
-          </a:effectRef>
-          <a:fontRef idx="minor">
-            <a:schemeClr val="lt1"/>
-          </a:fontRef>
-        </p:style>
-        <p:txBody>
-          <a:bodyPr rtlCol="0" anchor="ctr"/>
-          <a:lstStyle/>
-          <a:p>
-            <a:r>
-              <a:rPr lang="de-DE" sz="4000" dirty="0">
-                <a:solidFill>
-                  <a:schemeClr val="tx1"/>
-                </a:solidFill>
-              </a:rPr>
-              <a:t>Ende</a:t>
-            </a:r>
-            <a:endParaRPr lang="de-DE" sz="1600" dirty="0">
-              <a:solidFill>
-                <a:schemeClr val="tx1"/>
-              </a:solidFill>
-            </a:endParaRPr>
-          </a:p>
-        </p:txBody>
-      </p:sp>
       <p:pic>
         <p:nvPicPr>
           <p:cNvPr id="7" name="Grafik 6" descr="Pfeil: Nach rechts drehen mit einfarbiger Füllung">
@@ -8912,6 +8849,71 @@
           <a:p>
             <a:pPr algn="ctr"/>
             <a:endParaRPr lang="de-DE"/>
+          </a:p>
+        </p:txBody>
+      </p:sp>
+      <p:sp>
+        <p:nvSpPr>
+          <p:cNvPr id="6" name="Rechteck: abgerundete Ecken 5">
+            <a:extLst>
+              <a:ext uri="{FF2B5EF4-FFF2-40B4-BE49-F238E27FC236}">
+                <a16:creationId xmlns:a16="http://schemas.microsoft.com/office/drawing/2014/main" id="{52C6BED4-CEBE-4A85-AB43-4756818A09F5}"/>
+              </a:ext>
+            </a:extLst>
+          </p:cNvPr>
+          <p:cNvSpPr/>
+          <p:nvPr/>
+        </p:nvSpPr>
+        <p:spPr>
+          <a:xfrm>
+            <a:off x="3349589" y="5147111"/>
+            <a:ext cx="6429676" cy="866273"/>
+          </a:xfrm>
+          <a:prstGeom prst="roundRect">
+            <a:avLst/>
+          </a:prstGeom>
+          <a:solidFill>
+            <a:srgbClr val="FFFF00"/>
+          </a:solidFill>
+          <a:ln>
+            <a:solidFill>
+              <a:schemeClr val="tx1"/>
+            </a:solidFill>
+          </a:ln>
+        </p:spPr>
+        <p:style>
+          <a:lnRef idx="2">
+            <a:schemeClr val="accent1">
+              <a:shade val="50000"/>
+            </a:schemeClr>
+          </a:lnRef>
+          <a:fillRef idx="1">
+            <a:schemeClr val="accent1"/>
+          </a:fillRef>
+          <a:effectRef idx="0">
+            <a:schemeClr val="accent1"/>
+          </a:effectRef>
+          <a:fontRef idx="minor">
+            <a:schemeClr val="lt1"/>
+          </a:fontRef>
+        </p:style>
+        <p:txBody>
+          <a:bodyPr rtlCol="0" anchor="ctr"/>
+          <a:lstStyle/>
+          <a:p>
+            <a:r>
+              <a:rPr lang="de-DE" sz="4000" dirty="0">
+                <a:solidFill>
+                  <a:schemeClr val="tx1"/>
+                </a:solidFill>
+              </a:rPr>
+              <a:t>Gelbe Karte</a:t>
+            </a:r>
+            <a:endParaRPr lang="de-DE" sz="1600" dirty="0">
+              <a:solidFill>
+                <a:schemeClr val="tx1"/>
+              </a:solidFill>
+            </a:endParaRPr>
           </a:p>
         </p:txBody>
       </p:sp>
@@ -9077,71 +9079,6 @@
           <a:chExt cx="0" cy="0"/>
         </a:xfrm>
       </p:grpSpPr>
-      <p:sp>
-        <p:nvSpPr>
-          <p:cNvPr id="4" name="Rechteck: abgerundete Ecken 3">
-            <a:extLst>
-              <a:ext uri="{FF2B5EF4-FFF2-40B4-BE49-F238E27FC236}">
-                <a16:creationId xmlns:a16="http://schemas.microsoft.com/office/drawing/2014/main" id="{FA9AD113-8EBD-4706-A40F-4A7A8D62D063}"/>
-              </a:ext>
-            </a:extLst>
-          </p:cNvPr>
-          <p:cNvSpPr/>
-          <p:nvPr/>
-        </p:nvSpPr>
-        <p:spPr>
-          <a:xfrm>
-            <a:off x="3349589" y="5147111"/>
-            <a:ext cx="6429676" cy="866273"/>
-          </a:xfrm>
-          <a:prstGeom prst="roundRect">
-            <a:avLst/>
-          </a:prstGeom>
-          <a:solidFill>
-            <a:schemeClr val="bg1"/>
-          </a:solidFill>
-          <a:ln>
-            <a:solidFill>
-              <a:schemeClr val="tx1"/>
-            </a:solidFill>
-          </a:ln>
-        </p:spPr>
-        <p:style>
-          <a:lnRef idx="2">
-            <a:schemeClr val="accent1">
-              <a:shade val="50000"/>
-            </a:schemeClr>
-          </a:lnRef>
-          <a:fillRef idx="1">
-            <a:schemeClr val="accent1"/>
-          </a:fillRef>
-          <a:effectRef idx="0">
-            <a:schemeClr val="accent1"/>
-          </a:effectRef>
-          <a:fontRef idx="minor">
-            <a:schemeClr val="lt1"/>
-          </a:fontRef>
-        </p:style>
-        <p:txBody>
-          <a:bodyPr rtlCol="0" anchor="ctr"/>
-          <a:lstStyle/>
-          <a:p>
-            <a:r>
-              <a:rPr lang="de-DE" sz="4000" dirty="0">
-                <a:solidFill>
-                  <a:schemeClr val="tx1"/>
-                </a:solidFill>
-              </a:rPr>
-              <a:t>Ende</a:t>
-            </a:r>
-            <a:endParaRPr lang="de-DE" sz="1600" dirty="0">
-              <a:solidFill>
-                <a:schemeClr val="tx1"/>
-              </a:solidFill>
-            </a:endParaRPr>
-          </a:p>
-        </p:txBody>
-      </p:sp>
       <p:pic>
         <p:nvPicPr>
           <p:cNvPr id="7" name="Grafik 6" descr="Pfeil: Nach rechts drehen mit einfarbiger Füllung">
@@ -9219,6 +9156,71 @@
           <a:p>
             <a:pPr algn="ctr"/>
             <a:endParaRPr lang="de-DE"/>
+          </a:p>
+        </p:txBody>
+      </p:sp>
+      <p:sp>
+        <p:nvSpPr>
+          <p:cNvPr id="6" name="Rechteck: abgerundete Ecken 5">
+            <a:extLst>
+              <a:ext uri="{FF2B5EF4-FFF2-40B4-BE49-F238E27FC236}">
+                <a16:creationId xmlns:a16="http://schemas.microsoft.com/office/drawing/2014/main" id="{D6F21C20-2C2C-4376-B09D-88AD692145BC}"/>
+              </a:ext>
+            </a:extLst>
+          </p:cNvPr>
+          <p:cNvSpPr/>
+          <p:nvPr/>
+        </p:nvSpPr>
+        <p:spPr>
+          <a:xfrm>
+            <a:off x="3349589" y="5147111"/>
+            <a:ext cx="6429676" cy="866273"/>
+          </a:xfrm>
+          <a:prstGeom prst="roundRect">
+            <a:avLst/>
+          </a:prstGeom>
+          <a:solidFill>
+            <a:srgbClr val="FFFF00"/>
+          </a:solidFill>
+          <a:ln>
+            <a:solidFill>
+              <a:schemeClr val="tx1"/>
+            </a:solidFill>
+          </a:ln>
+        </p:spPr>
+        <p:style>
+          <a:lnRef idx="2">
+            <a:schemeClr val="accent1">
+              <a:shade val="50000"/>
+            </a:schemeClr>
+          </a:lnRef>
+          <a:fillRef idx="1">
+            <a:schemeClr val="accent1"/>
+          </a:fillRef>
+          <a:effectRef idx="0">
+            <a:schemeClr val="accent1"/>
+          </a:effectRef>
+          <a:fontRef idx="minor">
+            <a:schemeClr val="lt1"/>
+          </a:fontRef>
+        </p:style>
+        <p:txBody>
+          <a:bodyPr rtlCol="0" anchor="ctr"/>
+          <a:lstStyle/>
+          <a:p>
+            <a:r>
+              <a:rPr lang="de-DE" sz="4000" dirty="0">
+                <a:solidFill>
+                  <a:schemeClr val="tx1"/>
+                </a:solidFill>
+              </a:rPr>
+              <a:t>Gelbe Karte</a:t>
+            </a:r>
+            <a:endParaRPr lang="de-DE" sz="1600" dirty="0">
+              <a:solidFill>
+                <a:schemeClr val="tx1"/>
+              </a:solidFill>
+            </a:endParaRPr>
           </a:p>
         </p:txBody>
       </p:sp>
@@ -9386,6 +9388,569 @@
       </p:grpSpPr>
       <p:sp>
         <p:nvSpPr>
+          <p:cNvPr id="4" name="Rechteck: abgerundete Ecken 3">
+            <a:extLst>
+              <a:ext uri="{FF2B5EF4-FFF2-40B4-BE49-F238E27FC236}">
+                <a16:creationId xmlns:a16="http://schemas.microsoft.com/office/drawing/2014/main" id="{FA9AD113-8EBD-4706-A40F-4A7A8D62D063}"/>
+              </a:ext>
+            </a:extLst>
+          </p:cNvPr>
+          <p:cNvSpPr/>
+          <p:nvPr/>
+        </p:nvSpPr>
+        <p:spPr>
+          <a:xfrm>
+            <a:off x="3349589" y="5147111"/>
+            <a:ext cx="6429676" cy="866273"/>
+          </a:xfrm>
+          <a:prstGeom prst="roundRect">
+            <a:avLst/>
+          </a:prstGeom>
+          <a:solidFill>
+            <a:srgbClr val="FF0000"/>
+          </a:solidFill>
+          <a:ln>
+            <a:solidFill>
+              <a:schemeClr val="tx1"/>
+            </a:solidFill>
+          </a:ln>
+        </p:spPr>
+        <p:style>
+          <a:lnRef idx="2">
+            <a:schemeClr val="accent1">
+              <a:shade val="50000"/>
+            </a:schemeClr>
+          </a:lnRef>
+          <a:fillRef idx="1">
+            <a:schemeClr val="accent1"/>
+          </a:fillRef>
+          <a:effectRef idx="0">
+            <a:schemeClr val="accent1"/>
+          </a:effectRef>
+          <a:fontRef idx="minor">
+            <a:schemeClr val="lt1"/>
+          </a:fontRef>
+        </p:style>
+        <p:txBody>
+          <a:bodyPr rtlCol="0" anchor="ctr"/>
+          <a:lstStyle/>
+          <a:p>
+            <a:r>
+              <a:rPr lang="de-DE" sz="4000" dirty="0">
+                <a:solidFill>
+                  <a:schemeClr val="tx1"/>
+                </a:solidFill>
+              </a:rPr>
+              <a:t>Rote Karte</a:t>
+            </a:r>
+            <a:endParaRPr lang="de-DE" sz="1600" dirty="0">
+              <a:solidFill>
+                <a:schemeClr val="tx1"/>
+              </a:solidFill>
+            </a:endParaRPr>
+          </a:p>
+        </p:txBody>
+      </p:sp>
+      <p:pic>
+        <p:nvPicPr>
+          <p:cNvPr id="7" name="Grafik 6" descr="Pfeil: Nach rechts drehen mit einfarbiger Füllung">
+            <a:extLst>
+              <a:ext uri="{FF2B5EF4-FFF2-40B4-BE49-F238E27FC236}">
+                <a16:creationId xmlns:a16="http://schemas.microsoft.com/office/drawing/2014/main" id="{96F81046-FCF8-4808-9E27-66081C4B6096}"/>
+              </a:ext>
+            </a:extLst>
+          </p:cNvPr>
+          <p:cNvPicPr>
+            <a:picLocks noChangeAspect="1"/>
+          </p:cNvPicPr>
+          <p:nvPr/>
+        </p:nvPicPr>
+        <p:blipFill>
+          <a:blip r:embed="rId2">
+            <a:extLst>
+              <a:ext uri="{96DAC541-7B7A-43D3-8B79-37D633B846F1}">
+                <asvg:svgBlip xmlns:asvg="http://schemas.microsoft.com/office/drawing/2016/SVG/main" r:embed="rId3"/>
+              </a:ext>
+            </a:extLst>
+          </a:blip>
+          <a:stretch>
+            <a:fillRect/>
+          </a:stretch>
+        </p:blipFill>
+        <p:spPr>
+          <a:xfrm>
+            <a:off x="2061413" y="5098984"/>
+            <a:ext cx="914400" cy="914400"/>
+          </a:xfrm>
+          <a:prstGeom prst="rect">
+            <a:avLst/>
+          </a:prstGeom>
+        </p:spPr>
+      </p:pic>
+      <p:sp>
+        <p:nvSpPr>
+          <p:cNvPr id="5" name="Rechteck 4">
+            <a:extLst>
+              <a:ext uri="{FF2B5EF4-FFF2-40B4-BE49-F238E27FC236}">
+                <a16:creationId xmlns:a16="http://schemas.microsoft.com/office/drawing/2014/main" id="{D99A8E36-CAD7-4F84-A2D2-BC10DC0B9CB6}"/>
+              </a:ext>
+            </a:extLst>
+          </p:cNvPr>
+          <p:cNvSpPr/>
+          <p:nvPr/>
+        </p:nvSpPr>
+        <p:spPr>
+          <a:xfrm>
+            <a:off x="0" y="4023360"/>
+            <a:ext cx="12192000" cy="779646"/>
+          </a:xfrm>
+          <a:prstGeom prst="rect">
+            <a:avLst/>
+          </a:prstGeom>
+        </p:spPr>
+        <p:style>
+          <a:lnRef idx="1">
+            <a:schemeClr val="dk1"/>
+          </a:lnRef>
+          <a:fillRef idx="2">
+            <a:schemeClr val="dk1"/>
+          </a:fillRef>
+          <a:effectRef idx="1">
+            <a:schemeClr val="dk1"/>
+          </a:effectRef>
+          <a:fontRef idx="minor">
+            <a:schemeClr val="dk1"/>
+          </a:fontRef>
+        </p:style>
+        <p:txBody>
+          <a:bodyPr rtlCol="0" anchor="ctr"/>
+          <a:lstStyle/>
+          <a:p>
+            <a:pPr algn="ctr"/>
+            <a:endParaRPr lang="de-DE"/>
+          </a:p>
+        </p:txBody>
+      </p:sp>
+      <p:sp>
+        <p:nvSpPr>
+          <p:cNvPr id="6" name="Rechteck: abgerundete Ecken 5">
+            <a:extLst>
+              <a:ext uri="{FF2B5EF4-FFF2-40B4-BE49-F238E27FC236}">
+                <a16:creationId xmlns:a16="http://schemas.microsoft.com/office/drawing/2014/main" id="{64008FDE-7C90-444D-A63F-ED121C7C3B80}"/>
+              </a:ext>
+            </a:extLst>
+          </p:cNvPr>
+          <p:cNvSpPr/>
+          <p:nvPr/>
+        </p:nvSpPr>
+        <p:spPr>
+          <a:xfrm>
+            <a:off x="702643" y="409073"/>
+            <a:ext cx="10607040" cy="3373656"/>
+          </a:xfrm>
+          <a:prstGeom prst="roundRect">
+            <a:avLst/>
+          </a:prstGeom>
+          <a:solidFill>
+            <a:srgbClr val="FFFF00"/>
+          </a:solidFill>
+          <a:ln/>
+        </p:spPr>
+        <p:style>
+          <a:lnRef idx="2">
+            <a:schemeClr val="dk1"/>
+          </a:lnRef>
+          <a:fillRef idx="1">
+            <a:schemeClr val="lt1"/>
+          </a:fillRef>
+          <a:effectRef idx="0">
+            <a:schemeClr val="dk1"/>
+          </a:effectRef>
+          <a:fontRef idx="minor">
+            <a:schemeClr val="dk1"/>
+          </a:fontRef>
+        </p:style>
+        <p:txBody>
+          <a:bodyPr rtlCol="0" anchor="ctr"/>
+          <a:lstStyle/>
+          <a:p>
+            <a:pPr algn="ctr"/>
+            <a:r>
+              <a:rPr lang="de-DE" sz="5400" dirty="0"/>
+              <a:t>Gelbe Karte</a:t>
+            </a:r>
+          </a:p>
+        </p:txBody>
+      </p:sp>
+    </p:spTree>
+    <p:extLst>
+      <p:ext uri="{BB962C8B-B14F-4D97-AF65-F5344CB8AC3E}">
+        <p14:creationId xmlns:p14="http://schemas.microsoft.com/office/powerpoint/2010/main" val="3261002616"/>
+      </p:ext>
+    </p:extLst>
+  </p:cSld>
+  <p:clrMapOvr>
+    <a:masterClrMapping/>
+  </p:clrMapOvr>
+  <mc:AlternateContent xmlns:mc="http://schemas.openxmlformats.org/markup-compatibility/2006" xmlns:p14="http://schemas.microsoft.com/office/powerpoint/2010/main">
+    <mc:Choice Requires="p14">
+      <p:transition spd="slow" p14:dur="2000" advClick="0" advTm="60000"/>
+    </mc:Choice>
+    <mc:Fallback xmlns="">
+      <p:transition spd="slow" advClick="0" advTm="60000"/>
+    </mc:Fallback>
+  </mc:AlternateContent>
+  <p:timing>
+    <p:tnLst>
+      <p:par>
+        <p:cTn id="1" dur="indefinite" restart="never" nodeType="tmRoot">
+          <p:childTnLst>
+            <p:seq concurrent="1" nextAc="seek">
+              <p:cTn id="2" dur="indefinite" nodeType="mainSeq">
+                <p:childTnLst>
+                  <p:par>
+                    <p:cTn id="3" fill="hold">
+                      <p:stCondLst>
+                        <p:cond delay="indefinite"/>
+                      </p:stCondLst>
+                      <p:childTnLst>
+                        <p:par>
+                          <p:cTn id="4" fill="hold">
+                            <p:stCondLst>
+                              <p:cond delay="0"/>
+                            </p:stCondLst>
+                            <p:childTnLst>
+                              <p:par>
+                                <p:cTn id="5" presetID="2" presetClass="exit" presetSubtype="8" fill="hold" grpId="0" nodeType="clickEffect">
+                                  <p:stCondLst>
+                                    <p:cond delay="0"/>
+                                  </p:stCondLst>
+                                  <p:childTnLst>
+                                    <p:anim calcmode="lin" valueType="num">
+                                      <p:cBhvr additive="base">
+                                        <p:cTn id="6" dur="59000"/>
+                                        <p:tgtEl>
+                                          <p:spTgt spid="5"/>
+                                        </p:tgtEl>
+                                        <p:attrNameLst>
+                                          <p:attrName>ppt_x</p:attrName>
+                                        </p:attrNameLst>
+                                      </p:cBhvr>
+                                      <p:tavLst>
+                                        <p:tav tm="0">
+                                          <p:val>
+                                            <p:strVal val="ppt_x"/>
+                                          </p:val>
+                                        </p:tav>
+                                        <p:tav tm="100000">
+                                          <p:val>
+                                            <p:strVal val="0-ppt_w/2"/>
+                                          </p:val>
+                                        </p:tav>
+                                      </p:tavLst>
+                                    </p:anim>
+                                    <p:anim calcmode="lin" valueType="num">
+                                      <p:cBhvr additive="base">
+                                        <p:cTn id="7" dur="59000"/>
+                                        <p:tgtEl>
+                                          <p:spTgt spid="5"/>
+                                        </p:tgtEl>
+                                        <p:attrNameLst>
+                                          <p:attrName>ppt_y</p:attrName>
+                                        </p:attrNameLst>
+                                      </p:cBhvr>
+                                      <p:tavLst>
+                                        <p:tav tm="0">
+                                          <p:val>
+                                            <p:strVal val="ppt_y"/>
+                                          </p:val>
+                                        </p:tav>
+                                        <p:tav tm="100000">
+                                          <p:val>
+                                            <p:strVal val="ppt_y"/>
+                                          </p:val>
+                                        </p:tav>
+                                      </p:tavLst>
+                                    </p:anim>
+                                    <p:set>
+                                      <p:cBhvr>
+                                        <p:cTn id="8" dur="1" fill="hold">
+                                          <p:stCondLst>
+                                            <p:cond delay="58999"/>
+                                          </p:stCondLst>
+                                        </p:cTn>
+                                        <p:tgtEl>
+                                          <p:spTgt spid="5"/>
+                                        </p:tgtEl>
+                                        <p:attrNameLst>
+                                          <p:attrName>style.visibility</p:attrName>
+                                        </p:attrNameLst>
+                                      </p:cBhvr>
+                                      <p:to>
+                                        <p:strVal val="hidden"/>
+                                      </p:to>
+                                    </p:set>
+                                  </p:childTnLst>
+                                </p:cTn>
+                              </p:par>
+                            </p:childTnLst>
+                          </p:cTn>
+                        </p:par>
+                      </p:childTnLst>
+                    </p:cTn>
+                  </p:par>
+                </p:childTnLst>
+              </p:cTn>
+              <p:prevCondLst>
+                <p:cond evt="onPrev" delay="0">
+                  <p:tgtEl>
+                    <p:sldTgt/>
+                  </p:tgtEl>
+                </p:cond>
+              </p:prevCondLst>
+              <p:nextCondLst>
+                <p:cond evt="onNext" delay="0">
+                  <p:tgtEl>
+                    <p:sldTgt/>
+                  </p:tgtEl>
+                </p:cond>
+              </p:nextCondLst>
+            </p:seq>
+          </p:childTnLst>
+        </p:cTn>
+      </p:par>
+    </p:tnLst>
+    <p:bldLst>
+      <p:bldP spid="5" grpId="0" animBg="1"/>
+    </p:bldLst>
+  </p:timing>
+</p:sld>
+</file>
+
+<file path=ppt/slides/slide26.xml><?xml version="1.0" encoding="utf-8"?>
+<p:sld xmlns:a="http://schemas.openxmlformats.org/drawingml/2006/main" xmlns:r="http://schemas.openxmlformats.org/officeDocument/2006/relationships" xmlns:p="http://schemas.openxmlformats.org/presentationml/2006/main">
+  <p:cSld>
+    <p:spTree>
+      <p:nvGrpSpPr>
+        <p:cNvPr id="1" name=""/>
+        <p:cNvGrpSpPr/>
+        <p:nvPr/>
+      </p:nvGrpSpPr>
+      <p:grpSpPr>
+        <a:xfrm>
+          <a:off x="0" y="0"/>
+          <a:ext cx="0" cy="0"/>
+          <a:chOff x="0" y="0"/>
+          <a:chExt cx="0" cy="0"/>
+        </a:xfrm>
+      </p:grpSpPr>
+      <p:sp>
+        <p:nvSpPr>
+          <p:cNvPr id="4" name="Rechteck: abgerundete Ecken 3">
+            <a:extLst>
+              <a:ext uri="{FF2B5EF4-FFF2-40B4-BE49-F238E27FC236}">
+                <a16:creationId xmlns:a16="http://schemas.microsoft.com/office/drawing/2014/main" id="{FA9AD113-8EBD-4706-A40F-4A7A8D62D063}"/>
+              </a:ext>
+            </a:extLst>
+          </p:cNvPr>
+          <p:cNvSpPr/>
+          <p:nvPr/>
+        </p:nvSpPr>
+        <p:spPr>
+          <a:xfrm>
+            <a:off x="3349589" y="5147111"/>
+            <a:ext cx="6429676" cy="866273"/>
+          </a:xfrm>
+          <a:prstGeom prst="roundRect">
+            <a:avLst/>
+          </a:prstGeom>
+          <a:solidFill>
+            <a:schemeClr val="bg1"/>
+          </a:solidFill>
+          <a:ln>
+            <a:solidFill>
+              <a:schemeClr val="tx1"/>
+            </a:solidFill>
+          </a:ln>
+        </p:spPr>
+        <p:style>
+          <a:lnRef idx="2">
+            <a:schemeClr val="accent1">
+              <a:shade val="50000"/>
+            </a:schemeClr>
+          </a:lnRef>
+          <a:fillRef idx="1">
+            <a:schemeClr val="accent1"/>
+          </a:fillRef>
+          <a:effectRef idx="0">
+            <a:schemeClr val="accent1"/>
+          </a:effectRef>
+          <a:fontRef idx="minor">
+            <a:schemeClr val="lt1"/>
+          </a:fontRef>
+        </p:style>
+        <p:txBody>
+          <a:bodyPr rtlCol="0" anchor="ctr"/>
+          <a:lstStyle/>
+          <a:p>
+            <a:r>
+              <a:rPr lang="de-DE" sz="4000" dirty="0">
+                <a:solidFill>
+                  <a:schemeClr val="tx1"/>
+                </a:solidFill>
+              </a:rPr>
+              <a:t>Ende</a:t>
+            </a:r>
+            <a:endParaRPr lang="de-DE" sz="1600" dirty="0">
+              <a:solidFill>
+                <a:schemeClr val="tx1"/>
+              </a:solidFill>
+            </a:endParaRPr>
+          </a:p>
+        </p:txBody>
+      </p:sp>
+      <p:pic>
+        <p:nvPicPr>
+          <p:cNvPr id="7" name="Grafik 6" descr="Pfeil: Nach rechts drehen mit einfarbiger Füllung">
+            <a:extLst>
+              <a:ext uri="{FF2B5EF4-FFF2-40B4-BE49-F238E27FC236}">
+                <a16:creationId xmlns:a16="http://schemas.microsoft.com/office/drawing/2014/main" id="{96F81046-FCF8-4808-9E27-66081C4B6096}"/>
+              </a:ext>
+            </a:extLst>
+          </p:cNvPr>
+          <p:cNvPicPr>
+            <a:picLocks noChangeAspect="1"/>
+          </p:cNvPicPr>
+          <p:nvPr/>
+        </p:nvPicPr>
+        <p:blipFill>
+          <a:blip r:embed="rId2">
+            <a:extLst>
+              <a:ext uri="{96DAC541-7B7A-43D3-8B79-37D633B846F1}">
+                <asvg:svgBlip xmlns:asvg="http://schemas.microsoft.com/office/drawing/2016/SVG/main" r:embed="rId3"/>
+              </a:ext>
+            </a:extLst>
+          </a:blip>
+          <a:stretch>
+            <a:fillRect/>
+          </a:stretch>
+        </p:blipFill>
+        <p:spPr>
+          <a:xfrm>
+            <a:off x="2061413" y="5098984"/>
+            <a:ext cx="914400" cy="914400"/>
+          </a:xfrm>
+          <a:prstGeom prst="rect">
+            <a:avLst/>
+          </a:prstGeom>
+        </p:spPr>
+      </p:pic>
+      <p:sp>
+        <p:nvSpPr>
+          <p:cNvPr id="6" name="Rechteck: abgerundete Ecken 5">
+            <a:extLst>
+              <a:ext uri="{FF2B5EF4-FFF2-40B4-BE49-F238E27FC236}">
+                <a16:creationId xmlns:a16="http://schemas.microsoft.com/office/drawing/2014/main" id="{24097B82-E73D-499D-BC7B-D2F71817F904}"/>
+              </a:ext>
+            </a:extLst>
+          </p:cNvPr>
+          <p:cNvSpPr/>
+          <p:nvPr/>
+        </p:nvSpPr>
+        <p:spPr>
+          <a:xfrm>
+            <a:off x="702643" y="409073"/>
+            <a:ext cx="10607040" cy="3373656"/>
+          </a:xfrm>
+          <a:prstGeom prst="roundRect">
+            <a:avLst/>
+          </a:prstGeom>
+          <a:solidFill>
+            <a:srgbClr val="FF0000"/>
+          </a:solidFill>
+          <a:ln>
+            <a:solidFill>
+              <a:schemeClr val="tx1"/>
+            </a:solidFill>
+          </a:ln>
+        </p:spPr>
+        <p:style>
+          <a:lnRef idx="2">
+            <a:schemeClr val="accent1">
+              <a:shade val="50000"/>
+            </a:schemeClr>
+          </a:lnRef>
+          <a:fillRef idx="1">
+            <a:schemeClr val="accent1"/>
+          </a:fillRef>
+          <a:effectRef idx="0">
+            <a:schemeClr val="accent1"/>
+          </a:effectRef>
+          <a:fontRef idx="minor">
+            <a:schemeClr val="lt1"/>
+          </a:fontRef>
+        </p:style>
+        <p:txBody>
+          <a:bodyPr rtlCol="0" anchor="ctr"/>
+          <a:lstStyle/>
+          <a:p>
+            <a:pPr algn="ctr"/>
+            <a:r>
+              <a:rPr lang="de-DE" sz="5400" dirty="0">
+                <a:solidFill>
+                  <a:schemeClr val="tx1"/>
+                </a:solidFill>
+              </a:rPr>
+              <a:t>Rote Karte</a:t>
+            </a:r>
+            <a:endParaRPr lang="de-DE" sz="5400" i="1" dirty="0">
+              <a:solidFill>
+                <a:schemeClr val="tx1"/>
+              </a:solidFill>
+            </a:endParaRPr>
+          </a:p>
+        </p:txBody>
+      </p:sp>
+    </p:spTree>
+    <p:extLst>
+      <p:ext uri="{BB962C8B-B14F-4D97-AF65-F5344CB8AC3E}">
+        <p14:creationId xmlns:p14="http://schemas.microsoft.com/office/powerpoint/2010/main" val="2912351940"/>
+      </p:ext>
+    </p:extLst>
+  </p:cSld>
+  <p:clrMapOvr>
+    <a:masterClrMapping/>
+  </p:clrMapOvr>
+  <mc:AlternateContent xmlns:mc="http://schemas.openxmlformats.org/markup-compatibility/2006" xmlns:p14="http://schemas.microsoft.com/office/powerpoint/2010/main">
+    <mc:Choice Requires="p14">
+      <p:transition spd="slow" p14:dur="2000" advClick="0" advTm="60000"/>
+    </mc:Choice>
+    <mc:Fallback xmlns="">
+      <p:transition spd="slow" advClick="0" advTm="60000"/>
+    </mc:Fallback>
+  </mc:AlternateContent>
+</p:sld>
+</file>
+
+<file path=ppt/slides/slide27.xml><?xml version="1.0" encoding="utf-8"?>
+<p:sld xmlns:a="http://schemas.openxmlformats.org/drawingml/2006/main" xmlns:r="http://schemas.openxmlformats.org/officeDocument/2006/relationships" xmlns:p="http://schemas.openxmlformats.org/presentationml/2006/main">
+  <p:cSld>
+    <p:spTree>
+      <p:nvGrpSpPr>
+        <p:cNvPr id="1" name=""/>
+        <p:cNvGrpSpPr/>
+        <p:nvPr/>
+      </p:nvGrpSpPr>
+      <p:grpSpPr>
+        <a:xfrm>
+          <a:off x="0" y="0"/>
+          <a:ext cx="0" cy="0"/>
+          <a:chOff x="0" y="0"/>
+          <a:chExt cx="0" cy="0"/>
+        </a:xfrm>
+      </p:grpSpPr>
+      <p:sp>
+        <p:nvSpPr>
           <p:cNvPr id="2" name="Titel 1">
             <a:extLst>
               <a:ext uri="{FF2B5EF4-FFF2-40B4-BE49-F238E27FC236}">
@@ -9433,7 +9998,7 @@
 </p:sld>
 </file>
 
-<file path=ppt/slides/slide26.xml><?xml version="1.0" encoding="utf-8"?>
+<file path=ppt/slides/slide28.xml><?xml version="1.0" encoding="utf-8"?>
 <p:sld xmlns:a="http://schemas.openxmlformats.org/drawingml/2006/main" xmlns:r="http://schemas.openxmlformats.org/officeDocument/2006/relationships" xmlns:p="http://schemas.openxmlformats.org/presentationml/2006/main">
   <p:cSld>
     <p:spTree>
@@ -9510,7 +10075,7 @@
 </p:sld>
 </file>
 
-<file path=ppt/slides/slide27.xml><?xml version="1.0" encoding="utf-8"?>
+<file path=ppt/slides/slide29.xml><?xml version="1.0" encoding="utf-8"?>
 <p:sld xmlns:a="http://schemas.openxmlformats.org/drawingml/2006/main" xmlns:r="http://schemas.openxmlformats.org/officeDocument/2006/relationships" xmlns:p="http://schemas.openxmlformats.org/presentationml/2006/main">
   <p:cSld>
     <p:spTree>
@@ -9881,7 +10446,7 @@
           <a:lstStyle/>
           <a:p>
             <a:r>
-              <a:rPr lang="de-DE" sz="2000" dirty="0"/>
+              <a:rPr lang="de-DE" sz="2800" dirty="0"/>
               <a:t>Carl(a) klickt mit Kugelschreiber.</a:t>
             </a:r>
           </a:p>
@@ -9985,11 +10550,11 @@
   <p:clrMapOvr>
     <a:masterClrMapping/>
   </p:clrMapOvr>
-  <mc:AlternateContent xmlns:mc="http://schemas.openxmlformats.org/markup-compatibility/2006">
-    <mc:Choice xmlns:p14="http://schemas.microsoft.com/office/powerpoint/2010/main" Requires="p14">
+  <mc:AlternateContent xmlns:mc="http://schemas.openxmlformats.org/markup-compatibility/2006" xmlns:p14="http://schemas.microsoft.com/office/powerpoint/2010/main">
+    <mc:Choice Requires="p14">
       <p:transition spd="slow" p14:dur="2000" advClick="0" advTm="130000"/>
     </mc:Choice>
-    <mc:Fallback>
+    <mc:Fallback xmlns="">
       <p:transition spd="slow" advClick="0" advTm="130000"/>
     </mc:Fallback>
   </mc:AlternateContent>
@@ -10195,7 +10760,7 @@
           <a:lstStyle/>
           <a:p>
             <a:r>
-              <a:rPr lang="de-DE" sz="2000" dirty="0"/>
+              <a:rPr lang="de-DE" sz="2800" dirty="0"/>
               <a:t>Carl(a) klickt mit Kugelschreiber.</a:t>
             </a:r>
           </a:p>
@@ -10473,7 +11038,7 @@
           <a:lstStyle/>
           <a:p>
             <a:r>
-              <a:rPr lang="de-DE" sz="2000" dirty="0"/>
+              <a:rPr lang="de-DE" sz="2800" dirty="0"/>
               <a:t>Bianca liest Nachrichten auf dem Handy.</a:t>
             </a:r>
           </a:p>
@@ -10851,7 +11416,7 @@
           <a:lstStyle/>
           <a:p>
             <a:r>
-              <a:rPr lang="de-DE" sz="2000" dirty="0"/>
+              <a:rPr lang="de-DE" sz="2800" dirty="0"/>
               <a:t>Bianca liest Nachrichten auf dem Handy.</a:t>
             </a:r>
           </a:p>
@@ -11129,7 +11694,7 @@
           <a:lstStyle/>
           <a:p>
             <a:r>
-              <a:rPr lang="de-DE" sz="2000" dirty="0"/>
+              <a:rPr lang="de-DE" sz="2800" dirty="0"/>
               <a:t>Anna trommelt mit den Fingern auf Tisch.</a:t>
             </a:r>
           </a:p>
